--- a/MLOPSLab.pptx
+++ b/MLOPSLab.pptx
@@ -10,6 +10,7 @@
     <p:sldId id="260" r:id="rId4"/>
     <p:sldId id="261" r:id="rId5"/>
     <p:sldId id="262" r:id="rId6"/>
+    <p:sldId id="263" r:id="rId7"/>
   </p:sldIdLst>
   <p:sldSz cx="12192000" cy="6858000"/>
   <p:notesSz cx="6858000" cy="9144000"/>
@@ -108,6 +109,11 @@
       </a:defRPr>
     </a:lvl9pPr>
   </p:defaultTextStyle>
+  <p:extLst>
+    <p:ext uri="{EFAFB233-063F-42B5-8137-9DF3F51BA10A}">
+      <p15:sldGuideLst xmlns:p15="http://schemas.microsoft.com/office/powerpoint/2012/main"/>
+    </p:ext>
+  </p:extLst>
 </p:presentation>
 </file>
 
@@ -3356,24 +3362,25 @@
             <p:ph type="title"/>
           </p:nvPr>
         </p:nvSpPr>
-        <p:spPr/>
+        <p:spPr>
+          <a:xfrm>
+            <a:off x="767080" y="-14288"/>
+            <a:ext cx="10515600" cy="1325563"/>
+          </a:xfrm>
+        </p:spPr>
         <p:txBody>
           <a:bodyPr>
-            <a:normAutofit fontScale="90000"/>
+            <a:normAutofit/>
           </a:bodyPr>
           <a:lstStyle/>
           <a:p>
-            <a:r>
-              <a:rPr lang="en-US" dirty="0"/>
-              <a:t>Pushing to GitHub - </a:t>
-            </a:r>
-            <a:r>
-              <a:rPr lang="nl-NL" dirty="0"/>
-              <a:t>Steps and Cleanup Actions </a:t>
-            </a:r>
             <a:br>
-              <a:rPr lang="nl-NL" dirty="0"/>
+              <a:rPr lang="en-US" dirty="0"/>
             </a:br>
+            <a:r>
+              <a:rPr lang="en-US" dirty="0"/>
+              <a:t>GitHub ML OPS</a:t>
+            </a:r>
             <a:endParaRPr dirty="0"/>
           </a:p>
         </p:txBody>
@@ -4322,6 +4329,217 @@
     <p:extLst>
       <p:ext uri="{BB962C8B-B14F-4D97-AF65-F5344CB8AC3E}">
         <p14:creationId xmlns:p14="http://schemas.microsoft.com/office/powerpoint/2010/main" val="4092959730"/>
+      </p:ext>
+    </p:extLst>
+  </p:cSld>
+  <p:clrMapOvr>
+    <a:masterClrMapping/>
+  </p:clrMapOvr>
+</p:sld>
+</file>
+
+<file path=ppt/slides/slide6.xml><?xml version="1.0" encoding="utf-8"?>
+<p:sld xmlns:a="http://schemas.openxmlformats.org/drawingml/2006/main" xmlns:r="http://schemas.openxmlformats.org/officeDocument/2006/relationships" xmlns:p="http://schemas.openxmlformats.org/presentationml/2006/main">
+  <p:cSld>
+    <p:spTree>
+      <p:nvGrpSpPr>
+        <p:cNvPr id="1" name="">
+          <a:extLst>
+            <a:ext uri="{FF2B5EF4-FFF2-40B4-BE49-F238E27FC236}">
+              <a16:creationId xmlns:a16="http://schemas.microsoft.com/office/drawing/2014/main" id="{315FDE6B-5070-F7AF-22C0-F65F7CBD0DBD}"/>
+            </a:ext>
+          </a:extLst>
+        </p:cNvPr>
+        <p:cNvGrpSpPr/>
+        <p:nvPr/>
+      </p:nvGrpSpPr>
+      <p:grpSpPr>
+        <a:xfrm>
+          <a:off x="0" y="0"/>
+          <a:ext cx="0" cy="0"/>
+          <a:chOff x="0" y="0"/>
+          <a:chExt cx="0" cy="0"/>
+        </a:xfrm>
+      </p:grpSpPr>
+      <p:sp>
+        <p:nvSpPr>
+          <p:cNvPr id="3" name="Content Placeholder 2">
+            <a:extLst>
+              <a:ext uri="{FF2B5EF4-FFF2-40B4-BE49-F238E27FC236}">
+                <a16:creationId xmlns:a16="http://schemas.microsoft.com/office/drawing/2014/main" id="{00130FA5-2955-5C9D-7F65-F9BF0F99538F}"/>
+              </a:ext>
+            </a:extLst>
+          </p:cNvPr>
+          <p:cNvSpPr>
+            <a:spLocks noGrp="1"/>
+          </p:cNvSpPr>
+          <p:nvPr>
+            <p:ph idx="1"/>
+          </p:nvPr>
+        </p:nvSpPr>
+        <p:spPr>
+          <a:xfrm>
+            <a:off x="742950" y="758825"/>
+            <a:ext cx="10515600" cy="4351338"/>
+          </a:xfrm>
+        </p:spPr>
+        <p:txBody>
+          <a:bodyPr>
+            <a:normAutofit fontScale="62500" lnSpcReduction="20000"/>
+          </a:bodyPr>
+          <a:lstStyle/>
+          <a:p>
+            <a:pPr marL="0" indent="0">
+              <a:buNone/>
+            </a:pPr>
+            <a:r>
+              <a:rPr lang="en-US" dirty="0"/>
+              <a:t>Step 5: Simulate pull request with same account and accept merge</a:t>
+            </a:r>
+          </a:p>
+          <a:p>
+            <a:pPr marL="0" indent="0">
+              <a:buNone/>
+            </a:pPr>
+            <a:r>
+              <a:rPr lang="en-US" dirty="0"/>
+              <a:t>	</a:t>
+            </a:r>
+            <a:r>
+              <a:rPr dirty="0"/>
+              <a:t>• </a:t>
+            </a:r>
+            <a:r>
+              <a:rPr lang="en-US" dirty="0"/>
+              <a:t>Create a branch</a:t>
+            </a:r>
+            <a:endParaRPr dirty="0"/>
+          </a:p>
+          <a:p>
+            <a:pPr marL="0" indent="0">
+              <a:buNone/>
+            </a:pPr>
+            <a:r>
+              <a:rPr lang="en-US" dirty="0"/>
+              <a:t>	</a:t>
+            </a:r>
+            <a:r>
+              <a:rPr dirty="0"/>
+              <a:t>`</a:t>
+            </a:r>
+            <a:r>
+              <a:rPr lang="en-US" dirty="0"/>
+              <a:t>git push -u origin feature/my-cool-change’</a:t>
+            </a:r>
+            <a:endParaRPr dirty="0"/>
+          </a:p>
+          <a:p>
+            <a:pPr marL="0" indent="0">
+              <a:buNone/>
+            </a:pPr>
+            <a:r>
+              <a:rPr lang="nl-NL" dirty="0"/>
+              <a:t>	•  Navigate to the https://github.com/happyemanaloto/mlops/tree/feature/my-cool-change</a:t>
+            </a:r>
+          </a:p>
+          <a:p>
+            <a:pPr marL="0" indent="0">
+              <a:buNone/>
+            </a:pPr>
+            <a:r>
+              <a:rPr lang="en-US" dirty="0"/>
+              <a:t>	•  Edit file</a:t>
+            </a:r>
+          </a:p>
+          <a:p>
+            <a:pPr marL="0" indent="0">
+              <a:buNone/>
+            </a:pPr>
+            <a:r>
+              <a:rPr lang="en-US" dirty="0"/>
+              <a:t>	•  Contribute</a:t>
+            </a:r>
+          </a:p>
+          <a:p>
+            <a:pPr marL="0" indent="0">
+              <a:buNone/>
+            </a:pPr>
+            <a:r>
+              <a:rPr lang="en-US" dirty="0"/>
+              <a:t>	•  Merge pull request</a:t>
+            </a:r>
+          </a:p>
+          <a:p>
+            <a:pPr marL="0" indent="0">
+              <a:buNone/>
+            </a:pPr>
+            <a:r>
+              <a:rPr lang="en-US" dirty="0"/>
+              <a:t>(</a:t>
+            </a:r>
+            <a:r>
+              <a:rPr lang="en-US" dirty="0" err="1"/>
+              <a:t>venv</a:t>
+            </a:r>
+            <a:r>
+              <a:rPr lang="en-US" dirty="0"/>
+              <a:t>) (base) PS C:\Users\happy\Documents\ironhack\Week13\langchain-lab&gt; git log --</a:t>
+            </a:r>
+            <a:r>
+              <a:rPr lang="en-US" dirty="0" err="1"/>
+              <a:t>oneline</a:t>
+            </a:r>
+            <a:r>
+              <a:rPr lang="en-US" dirty="0"/>
+              <a:t> --graph --all             </a:t>
+            </a:r>
+          </a:p>
+          <a:p>
+            <a:pPr marL="0" indent="0">
+              <a:buNone/>
+            </a:pPr>
+            <a:r>
+              <a:rPr lang="en-US" dirty="0"/>
+              <a:t>* 156e673 (HEAD -&gt; feature/</a:t>
+            </a:r>
+            <a:r>
+              <a:rPr lang="en-US" dirty="0" err="1"/>
+              <a:t>mypullrequestattempt</a:t>
+            </a:r>
+            <a:r>
+              <a:rPr lang="en-US" dirty="0"/>
+              <a:t>, origin/main, origin/feature/my-cool-change, main, feature/my-cool-change) presentation</a:t>
+            </a:r>
+          </a:p>
+          <a:p>
+            <a:pPr marL="0" indent="0">
+              <a:buNone/>
+            </a:pPr>
+            <a:r>
+              <a:rPr lang="en-US" dirty="0"/>
+              <a:t>* 9a8fdde trial codes</a:t>
+            </a:r>
+          </a:p>
+          <a:p>
+            <a:pPr marL="0" indent="0">
+              <a:buNone/>
+            </a:pPr>
+            <a:r>
+              <a:rPr lang="en-US" dirty="0"/>
+              <a:t>* 56fd5f1 Initial clean commit without </a:t>
+            </a:r>
+            <a:r>
+              <a:rPr lang="en-US" dirty="0" err="1"/>
+              <a:t>venv</a:t>
+            </a:r>
+            <a:endParaRPr lang="en-US" dirty="0"/>
+          </a:p>
+        </p:txBody>
+      </p:sp>
+    </p:spTree>
+    <p:extLst>
+      <p:ext uri="{BB962C8B-B14F-4D97-AF65-F5344CB8AC3E}">
+        <p14:creationId xmlns:p14="http://schemas.microsoft.com/office/powerpoint/2010/main" val="2029304154"/>
       </p:ext>
     </p:extLst>
   </p:cSld>
